--- a/Story Cards.pptx
+++ b/Story Cards.pptx
@@ -27256,7 +27256,7 @@
                 <a:cs typeface="Calibri"/>
                 <a:sym typeface="Calibri"/>
               </a:rPr>
-              <a:t>Story Points</a:t>
+              <a:t>2</a:t>
             </a:r>
           </a:p>
         </p:txBody>
@@ -27311,7 +27311,7 @@
                 <a:cs typeface="Calibri"/>
                 <a:sym typeface="Calibri"/>
               </a:rPr>
-              <a:t>Priority</a:t>
+              <a:t>Priority S</a:t>
             </a:r>
           </a:p>
         </p:txBody>
@@ -28060,16 +28060,16 @@
               <a:buNone/>
             </a:pPr>
             <a:r>
-              <a:rPr b="0" i="0" lang="en-AU" sz="2000" u="none" cap="none" strike="noStrike">
-                <a:solidFill>
-                  <a:schemeClr val="dk1"/>
-                </a:solidFill>
-                <a:latin typeface="Calibri"/>
-                <a:ea typeface="Calibri"/>
-                <a:cs typeface="Calibri"/>
-                <a:sym typeface="Calibri"/>
-              </a:rPr>
-              <a:t>Story Points</a:t>
+              <a:rPr lang="en-AU" sz="2000">
+                <a:solidFill>
+                  <a:schemeClr val="dk1"/>
+                </a:solidFill>
+                <a:latin typeface="Calibri"/>
+                <a:ea typeface="Calibri"/>
+                <a:cs typeface="Calibri"/>
+                <a:sym typeface="Calibri"/>
+              </a:rPr>
+              <a:t>2</a:t>
             </a:r>
           </a:p>
         </p:txBody>
@@ -28134,7 +28134,7 @@
                 <a:cs typeface="Calibri"/>
                 <a:sym typeface="Calibri"/>
               </a:rPr>
-              <a:t>Priority</a:t>
+              <a:t>Priority M</a:t>
             </a:r>
           </a:p>
         </p:txBody>
@@ -28615,6 +28615,101 @@
         </p:nvSpPr>
         <p:spPr>
           <a:xfrm>
+            <a:off x="8283153" y="109409"/>
+            <a:ext cx="792000" cy="540000"/>
+          </a:xfrm>
+          <a:prstGeom prst="rect">
+            <a:avLst/>
+          </a:prstGeom>
+          <a:solidFill>
+            <a:srgbClr val="E5DFEC"/>
+          </a:solidFill>
+          <a:ln cap="flat" cmpd="sng" w="25400">
+            <a:solidFill>
+              <a:srgbClr val="244061"/>
+            </a:solidFill>
+            <a:prstDash val="solid"/>
+            <a:round/>
+            <a:headEnd len="med" w="med" type="none"/>
+            <a:tailEnd len="med" w="med" type="none"/>
+          </a:ln>
+        </p:spPr>
+        <p:txBody>
+          <a:bodyPr anchorCtr="0" anchor="ctr" bIns="45700" lIns="0" rIns="0" tIns="45700">
+            <a:noAutofit/>
+          </a:bodyPr>
+          <a:lstStyle/>
+          <a:p>
+            <a:pPr indent="0" lvl="0" marL="0" marR="0" rtl="0" algn="ctr">
+              <a:spcBef>
+                <a:spcPts val="0"/>
+              </a:spcBef>
+              <a:buNone/>
+            </a:pPr>
+            <a:r>
+              <a:t/>
+            </a:r>
+            <a:endParaRPr sz="2000">
+              <a:solidFill>
+                <a:schemeClr val="dk1"/>
+              </a:solidFill>
+              <a:latin typeface="Calibri"/>
+              <a:ea typeface="Calibri"/>
+              <a:cs typeface="Calibri"/>
+              <a:sym typeface="Calibri"/>
+            </a:endParaRPr>
+          </a:p>
+          <a:p>
+            <a:pPr indent="0" lvl="0" marL="0" marR="0" rtl="0" algn="ctr">
+              <a:spcBef>
+                <a:spcPts val="0"/>
+              </a:spcBef>
+              <a:buSzPct val="25000"/>
+              <a:buNone/>
+            </a:pPr>
+            <a:r>
+              <a:rPr lang="en-AU" sz="2000">
+                <a:solidFill>
+                  <a:schemeClr val="dk1"/>
+                </a:solidFill>
+                <a:latin typeface="Calibri"/>
+                <a:ea typeface="Calibri"/>
+                <a:cs typeface="Calibri"/>
+                <a:sym typeface="Calibri"/>
+              </a:rPr>
+              <a:t>Priority C</a:t>
+            </a:r>
+          </a:p>
+          <a:p>
+            <a:pPr indent="0" lvl="0" marL="0" marR="0" rtl="0" algn="ctr">
+              <a:spcBef>
+                <a:spcPts val="0"/>
+              </a:spcBef>
+              <a:buNone/>
+            </a:pPr>
+            <a:r>
+              <a:t/>
+            </a:r>
+            <a:endParaRPr sz="2000">
+              <a:solidFill>
+                <a:schemeClr val="dk1"/>
+              </a:solidFill>
+              <a:latin typeface="Calibri"/>
+              <a:ea typeface="Calibri"/>
+              <a:cs typeface="Calibri"/>
+              <a:sym typeface="Calibri"/>
+            </a:endParaRPr>
+          </a:p>
+        </p:txBody>
+      </p:sp>
+      <p:sp>
+        <p:nvSpPr>
+          <p:cNvPr id="280" name="Shape 280"/>
+          <p:cNvSpPr/>
+          <p:nvPr/>
+        </p:nvSpPr>
+        <p:spPr>
+          <a:xfrm>
             <a:off x="9147153" y="109409"/>
             <a:ext cx="720000" cy="540000"/>
           </a:xfrm>
@@ -28659,83 +28754,8 @@
                 <a:cs typeface="Calibri"/>
                 <a:sym typeface="Calibri"/>
               </a:rPr>
-              <a:t>Story Points</a:t>
-            </a:r>
-          </a:p>
-        </p:txBody>
-      </p:sp>
-      <p:sp>
-        <p:nvSpPr>
-          <p:cNvPr id="280" name="Shape 280"/>
-          <p:cNvSpPr/>
-          <p:nvPr/>
-        </p:nvSpPr>
-        <p:spPr>
-          <a:xfrm>
-            <a:off x="8283153" y="109409"/>
-            <a:ext cx="792000" cy="540000"/>
-          </a:xfrm>
-          <a:prstGeom prst="rect">
-            <a:avLst/>
-          </a:prstGeom>
-          <a:solidFill>
-            <a:srgbClr val="E5DFEC"/>
-          </a:solidFill>
-          <a:ln cap="flat" cmpd="sng" w="25400">
-            <a:solidFill>
-              <a:srgbClr val="244061"/>
-            </a:solidFill>
-            <a:prstDash val="solid"/>
-            <a:round/>
-            <a:headEnd len="med" w="med" type="none"/>
-            <a:tailEnd len="med" w="med" type="none"/>
-          </a:ln>
-        </p:spPr>
-        <p:txBody>
-          <a:bodyPr anchorCtr="0" anchor="ctr" bIns="45700" lIns="0" rIns="0" tIns="45700">
-            <a:noAutofit/>
-          </a:bodyPr>
-          <a:lstStyle/>
-          <a:p>
-            <a:pPr indent="0" lvl="0" marL="0" marR="0" rtl="0" algn="ctr">
-              <a:spcBef>
-                <a:spcPts val="0"/>
-              </a:spcBef>
-              <a:buSzPct val="25000"/>
-              <a:buNone/>
-            </a:pPr>
-            <a:r>
-              <a:rPr lang="en-AU" sz="2000">
-                <a:solidFill>
-                  <a:schemeClr val="dk1"/>
-                </a:solidFill>
-                <a:latin typeface="Calibri"/>
-                <a:ea typeface="Calibri"/>
-                <a:cs typeface="Calibri"/>
-                <a:sym typeface="Calibri"/>
-              </a:rPr>
-              <a:t>Priority</a:t>
-            </a:r>
-          </a:p>
-          <a:p>
-            <a:pPr indent="0" lvl="0" marL="0" marR="0" rtl="0" algn="ctr">
-              <a:spcBef>
-                <a:spcPts val="0"/>
-              </a:spcBef>
-              <a:buNone/>
-            </a:pPr>
-            <a:r>
-              <a:t/>
-            </a:r>
-            <a:endParaRPr sz="2000">
-              <a:solidFill>
-                <a:schemeClr val="dk1"/>
-              </a:solidFill>
-              <a:latin typeface="Calibri"/>
-              <a:ea typeface="Calibri"/>
-              <a:cs typeface="Calibri"/>
-              <a:sym typeface="Calibri"/>
-            </a:endParaRPr>
+              <a:t>3</a:t>
+            </a:r>
           </a:p>
         </p:txBody>
       </p:sp>
@@ -29388,16 +29408,16 @@
               <a:buNone/>
             </a:pPr>
             <a:r>
-              <a:rPr b="0" i="0" lang="en-AU" sz="2000" u="none" cap="none" strike="noStrike">
-                <a:solidFill>
-                  <a:schemeClr val="dk1"/>
-                </a:solidFill>
-                <a:latin typeface="Calibri"/>
-                <a:ea typeface="Calibri"/>
-                <a:cs typeface="Calibri"/>
-                <a:sym typeface="Calibri"/>
-              </a:rPr>
-              <a:t>Story Points</a:t>
+              <a:rPr lang="en-AU" sz="2000">
+                <a:solidFill>
+                  <a:schemeClr val="dk1"/>
+                </a:solidFill>
+                <a:latin typeface="Calibri"/>
+                <a:ea typeface="Calibri"/>
+                <a:cs typeface="Calibri"/>
+                <a:sym typeface="Calibri"/>
+              </a:rPr>
+              <a:t>3</a:t>
             </a:r>
           </a:p>
         </p:txBody>
@@ -29448,6 +29468,36 @@
               <a:buClr>
                 <a:schemeClr val="dk1"/>
               </a:buClr>
+              <a:buFont typeface="Calibri"/>
+              <a:buNone/>
+            </a:pPr>
+            <a:r>
+              <a:t/>
+            </a:r>
+            <a:endParaRPr sz="2000">
+              <a:solidFill>
+                <a:schemeClr val="dk1"/>
+              </a:solidFill>
+              <a:latin typeface="Calibri"/>
+              <a:ea typeface="Calibri"/>
+              <a:cs typeface="Calibri"/>
+              <a:sym typeface="Calibri"/>
+            </a:endParaRPr>
+          </a:p>
+          <a:p>
+            <a:pPr indent="0" lvl="0" marL="0" marR="0" rtl="0" algn="ctr">
+              <a:lnSpc>
+                <a:spcPct val="100000"/>
+              </a:lnSpc>
+              <a:spcBef>
+                <a:spcPts val="0"/>
+              </a:spcBef>
+              <a:spcAft>
+                <a:spcPts val="0"/>
+              </a:spcAft>
+              <a:buClr>
+                <a:schemeClr val="dk1"/>
+              </a:buClr>
               <a:buSzPct val="25000"/>
               <a:buFont typeface="Calibri"/>
               <a:buNone/>
@@ -29462,7 +29512,7 @@
                 <a:cs typeface="Calibri"/>
                 <a:sym typeface="Calibri"/>
               </a:rPr>
-              <a:t>Priority</a:t>
+              <a:t>PriorityC</a:t>
             </a:r>
           </a:p>
           <a:p>
@@ -30051,12 +30101,18 @@
               <a:spcBef>
                 <a:spcPts val="0"/>
               </a:spcBef>
-              <a:buNone/>
-            </a:pPr>
-            <a:r>
-              <a:t/>
-            </a:r>
-            <a:endParaRPr/>
+              <a:buSzPct val="25000"/>
+              <a:buNone/>
+            </a:pPr>
+            <a:r>
+              <a:rPr lang="en-AU" sz="2000">
+                <a:latin typeface="Calibri"/>
+                <a:ea typeface="Calibri"/>
+                <a:cs typeface="Calibri"/>
+                <a:sym typeface="Calibri"/>
+              </a:rPr>
+              <a:t>5</a:t>
+            </a:r>
           </a:p>
         </p:txBody>
       </p:sp>
@@ -30097,12 +30153,18 @@
               <a:spcBef>
                 <a:spcPts val="0"/>
               </a:spcBef>
-              <a:buNone/>
-            </a:pPr>
-            <a:r>
-              <a:t/>
-            </a:r>
-            <a:endParaRPr/>
+              <a:buSzPct val="25000"/>
+              <a:buNone/>
+            </a:pPr>
+            <a:r>
+              <a:rPr lang="en-AU" sz="2000">
+                <a:latin typeface="Calibri"/>
+                <a:ea typeface="Calibri"/>
+                <a:cs typeface="Calibri"/>
+                <a:sym typeface="Calibri"/>
+              </a:rPr>
+              <a:t>Priority C</a:t>
+            </a:r>
           </a:p>
         </p:txBody>
       </p:sp>
@@ -30341,7 +30403,7 @@
                 <a:cs typeface="Calibri"/>
                 <a:sym typeface="Calibri"/>
               </a:rPr>
-              <a:t>Account Customisation</a:t>
+              <a:t>Profile Customisation</a:t>
             </a:r>
           </a:p>
         </p:txBody>
@@ -30564,12 +30626,18 @@
               <a:spcBef>
                 <a:spcPts val="0"/>
               </a:spcBef>
-              <a:buNone/>
-            </a:pPr>
-            <a:r>
-              <a:t/>
-            </a:r>
-            <a:endParaRPr/>
+              <a:buSzPct val="25000"/>
+              <a:buNone/>
+            </a:pPr>
+            <a:r>
+              <a:rPr lang="en-AU" sz="2000">
+                <a:latin typeface="Calibri"/>
+                <a:ea typeface="Calibri"/>
+                <a:cs typeface="Calibri"/>
+                <a:sym typeface="Calibri"/>
+              </a:rPr>
+              <a:t>3</a:t>
+            </a:r>
           </a:p>
         </p:txBody>
       </p:sp>
@@ -30610,12 +30678,18 @@
               <a:spcBef>
                 <a:spcPts val="0"/>
               </a:spcBef>
-              <a:buNone/>
-            </a:pPr>
-            <a:r>
-              <a:t/>
-            </a:r>
-            <a:endParaRPr/>
+              <a:buSzPct val="25000"/>
+              <a:buNone/>
+            </a:pPr>
+            <a:r>
+              <a:rPr lang="en-AU" sz="2000">
+                <a:latin typeface="Calibri"/>
+                <a:ea typeface="Calibri"/>
+                <a:cs typeface="Calibri"/>
+                <a:sym typeface="Calibri"/>
+              </a:rPr>
+              <a:t>Priority C</a:t>
+            </a:r>
           </a:p>
         </p:txBody>
       </p:sp>
@@ -31057,16 +31131,29 @@
           </a:bodyPr>
           <a:lstStyle/>
           <a:p>
-            <a:pPr indent="0" lvl="0" marL="0" marR="0" rtl="0" algn="ctr">
-              <a:spcBef>
-                <a:spcPts val="0"/>
-              </a:spcBef>
-              <a:buNone/>
-            </a:pPr>
-            <a:r>
-              <a:t/>
-            </a:r>
-            <a:endParaRPr/>
+            <a:pPr lvl="0" rtl="0" algn="ctr">
+              <a:spcBef>
+                <a:spcPts val="0"/>
+              </a:spcBef>
+              <a:buClr>
+                <a:schemeClr val="dk1"/>
+              </a:buClr>
+              <a:buSzPct val="25000"/>
+              <a:buFont typeface="Arial"/>
+              <a:buNone/>
+            </a:pPr>
+            <a:r>
+              <a:rPr lang="en-AU" sz="2000">
+                <a:solidFill>
+                  <a:schemeClr val="dk1"/>
+                </a:solidFill>
+                <a:latin typeface="Calibri"/>
+                <a:ea typeface="Calibri"/>
+                <a:cs typeface="Calibri"/>
+                <a:sym typeface="Calibri"/>
+              </a:rPr>
+              <a:t>5</a:t>
+            </a:r>
           </a:p>
         </p:txBody>
       </p:sp>
@@ -31103,16 +31190,29 @@
           </a:bodyPr>
           <a:lstStyle/>
           <a:p>
-            <a:pPr indent="0" lvl="0" marL="0" marR="0" rtl="0" algn="ctr">
-              <a:spcBef>
-                <a:spcPts val="0"/>
-              </a:spcBef>
-              <a:buNone/>
-            </a:pPr>
-            <a:r>
-              <a:t/>
-            </a:r>
-            <a:endParaRPr/>
+            <a:pPr lvl="0" rtl="0" algn="ctr">
+              <a:spcBef>
+                <a:spcPts val="0"/>
+              </a:spcBef>
+              <a:buClr>
+                <a:schemeClr val="dk1"/>
+              </a:buClr>
+              <a:buSzPct val="25000"/>
+              <a:buFont typeface="Arial"/>
+              <a:buNone/>
+            </a:pPr>
+            <a:r>
+              <a:rPr lang="en-AU" sz="2000">
+                <a:solidFill>
+                  <a:schemeClr val="dk1"/>
+                </a:solidFill>
+                <a:latin typeface="Calibri"/>
+                <a:ea typeface="Calibri"/>
+                <a:cs typeface="Calibri"/>
+                <a:sym typeface="Calibri"/>
+              </a:rPr>
+              <a:t>Priority S</a:t>
+            </a:r>
           </a:p>
         </p:txBody>
       </p:sp>
@@ -31597,7 +31697,7 @@
                 <a:cs typeface="Calibri"/>
                 <a:sym typeface="Calibri"/>
               </a:rPr>
-              <a:t>Story Points</a:t>
+              <a:t>4</a:t>
             </a:r>
           </a:p>
         </p:txBody>
@@ -31635,11 +31735,15 @@
           </a:bodyPr>
           <a:lstStyle/>
           <a:p>
-            <a:pPr indent="0" lvl="0" marL="0" marR="0" rtl="0" algn="ctr">
-              <a:spcBef>
-                <a:spcPts val="0"/>
-              </a:spcBef>
+            <a:pPr lvl="0" rtl="0" algn="ctr">
+              <a:spcBef>
+                <a:spcPts val="0"/>
+              </a:spcBef>
+              <a:buClr>
+                <a:schemeClr val="dk1"/>
+              </a:buClr>
               <a:buSzPct val="25000"/>
+              <a:buFont typeface="Arial"/>
               <a:buNone/>
             </a:pPr>
             <a:r>
@@ -31652,7 +31756,7 @@
                 <a:cs typeface="Calibri"/>
                 <a:sym typeface="Calibri"/>
               </a:rPr>
-              <a:t>Priority</a:t>
+              <a:t>Priority C</a:t>
             </a:r>
           </a:p>
         </p:txBody>
@@ -32163,7 +32267,7 @@
                 <a:cs typeface="Calibri"/>
                 <a:sym typeface="Calibri"/>
               </a:rPr>
-              <a:t>Story Points</a:t>
+              <a:t>1</a:t>
             </a:r>
           </a:p>
         </p:txBody>
@@ -32201,11 +32305,15 @@
           </a:bodyPr>
           <a:lstStyle/>
           <a:p>
-            <a:pPr indent="0" lvl="0" marL="0" marR="0" rtl="0" algn="ctr">
-              <a:spcBef>
-                <a:spcPts val="0"/>
-              </a:spcBef>
+            <a:pPr lvl="0" rtl="0" algn="ctr">
+              <a:spcBef>
+                <a:spcPts val="0"/>
+              </a:spcBef>
+              <a:buClr>
+                <a:schemeClr val="dk1"/>
+              </a:buClr>
               <a:buSzPct val="25000"/>
+              <a:buFont typeface="Arial"/>
               <a:buNone/>
             </a:pPr>
             <a:r>
@@ -32218,7 +32326,7 @@
                 <a:cs typeface="Calibri"/>
                 <a:sym typeface="Calibri"/>
               </a:rPr>
-              <a:t>Priority</a:t>
+              <a:t>Priority C</a:t>
             </a:r>
           </a:p>
         </p:txBody>
@@ -32760,7 +32868,7 @@
                 <a:cs typeface="Calibri"/>
                 <a:sym typeface="Calibri"/>
               </a:rPr>
-              <a:t>Story Points</a:t>
+              <a:t>2</a:t>
             </a:r>
           </a:p>
         </p:txBody>
@@ -32836,7 +32944,7 @@
                 <a:cs typeface="Calibri"/>
                 <a:sym typeface="Calibri"/>
               </a:rPr>
-              <a:t>c</a:t>
+              <a:t>C</a:t>
             </a:r>
           </a:p>
         </p:txBody>
@@ -33412,16 +33520,16 @@
               <a:buNone/>
             </a:pPr>
             <a:r>
-              <a:rPr b="0" i="0" lang="en-AU" sz="2000" u="none" cap="none" strike="noStrike">
-                <a:solidFill>
-                  <a:schemeClr val="dk1"/>
-                </a:solidFill>
-                <a:latin typeface="Calibri"/>
-                <a:ea typeface="Calibri"/>
-                <a:cs typeface="Calibri"/>
-                <a:sym typeface="Calibri"/>
-              </a:rPr>
-              <a:t>Story Points</a:t>
+              <a:rPr lang="en-AU" sz="2000">
+                <a:solidFill>
+                  <a:schemeClr val="dk1"/>
+                </a:solidFill>
+                <a:latin typeface="Calibri"/>
+                <a:ea typeface="Calibri"/>
+                <a:cs typeface="Calibri"/>
+                <a:sym typeface="Calibri"/>
+              </a:rPr>
+              <a:t>2</a:t>
             </a:r>
           </a:p>
         </p:txBody>
@@ -33477,16 +33585,16 @@
               <a:buNone/>
             </a:pPr>
             <a:r>
-              <a:rPr b="0" i="0" lang="en-AU" sz="2000" u="none" cap="none" strike="noStrike">
-                <a:solidFill>
-                  <a:schemeClr val="dk1"/>
-                </a:solidFill>
-                <a:latin typeface="Calibri"/>
-                <a:ea typeface="Calibri"/>
-                <a:cs typeface="Calibri"/>
-                <a:sym typeface="Calibri"/>
-              </a:rPr>
-              <a:t>Priority</a:t>
+              <a:rPr lang="en-AU" sz="2000">
+                <a:solidFill>
+                  <a:schemeClr val="dk1"/>
+                </a:solidFill>
+                <a:latin typeface="Calibri"/>
+                <a:ea typeface="Calibri"/>
+                <a:cs typeface="Calibri"/>
+                <a:sym typeface="Calibri"/>
+              </a:rPr>
+              <a:t>Priority M</a:t>
             </a:r>
           </a:p>
         </p:txBody>
@@ -34052,7 +34160,7 @@
                 <a:cs typeface="Calibri"/>
                 <a:sym typeface="Calibri"/>
               </a:rPr>
-              <a:t>Story Points</a:t>
+              <a:t>3</a:t>
             </a:r>
           </a:p>
         </p:txBody>
@@ -34090,11 +34198,15 @@
           </a:bodyPr>
           <a:lstStyle/>
           <a:p>
-            <a:pPr indent="0" lvl="0" marL="0" marR="0" rtl="0" algn="ctr">
-              <a:spcBef>
-                <a:spcPts val="0"/>
-              </a:spcBef>
+            <a:pPr lvl="0" rtl="0" algn="ctr">
+              <a:spcBef>
+                <a:spcPts val="0"/>
+              </a:spcBef>
+              <a:buClr>
+                <a:schemeClr val="dk1"/>
+              </a:buClr>
               <a:buSzPct val="25000"/>
+              <a:buFont typeface="Arial"/>
               <a:buNone/>
             </a:pPr>
             <a:r>
@@ -34108,6 +34220,31 @@
                 <a:sym typeface="Calibri"/>
               </a:rPr>
               <a:t>Priority</a:t>
+            </a:r>
+          </a:p>
+          <a:p>
+            <a:pPr lvl="0" rtl="0" algn="ctr">
+              <a:spcBef>
+                <a:spcPts val="0"/>
+              </a:spcBef>
+              <a:buClr>
+                <a:schemeClr val="dk1"/>
+              </a:buClr>
+              <a:buSzPct val="25000"/>
+              <a:buFont typeface="Arial"/>
+              <a:buNone/>
+            </a:pPr>
+            <a:r>
+              <a:rPr lang="en-AU" sz="2000">
+                <a:solidFill>
+                  <a:schemeClr val="dk1"/>
+                </a:solidFill>
+                <a:latin typeface="Calibri"/>
+                <a:ea typeface="Calibri"/>
+                <a:cs typeface="Calibri"/>
+                <a:sym typeface="Calibri"/>
+              </a:rPr>
+              <a:t>S</a:t>
             </a:r>
           </a:p>
         </p:txBody>
@@ -34777,7 +34914,7 @@
                 <a:cs typeface="Calibri"/>
                 <a:sym typeface="Calibri"/>
               </a:rPr>
-              <a:t>Story Points</a:t>
+              <a:t>4</a:t>
             </a:r>
           </a:p>
         </p:txBody>
@@ -34815,11 +34952,15 @@
           </a:bodyPr>
           <a:lstStyle/>
           <a:p>
-            <a:pPr indent="0" lvl="0" marL="0" marR="0" rtl="0" algn="ctr">
-              <a:spcBef>
-                <a:spcPts val="0"/>
-              </a:spcBef>
+            <a:pPr lvl="0" rtl="0" algn="ctr">
+              <a:spcBef>
+                <a:spcPts val="0"/>
+              </a:spcBef>
+              <a:buClr>
+                <a:schemeClr val="dk1"/>
+              </a:buClr>
               <a:buSzPct val="25000"/>
+              <a:buFont typeface="Arial"/>
               <a:buNone/>
             </a:pPr>
             <a:r>
@@ -34836,11 +34977,15 @@
             </a:r>
           </a:p>
           <a:p>
-            <a:pPr indent="0" lvl="0" marL="0" marR="0" rtl="0" algn="ctr">
-              <a:spcBef>
-                <a:spcPts val="0"/>
-              </a:spcBef>
+            <a:pPr lvl="0" rtl="0" algn="ctr">
+              <a:spcBef>
+                <a:spcPts val="0"/>
+              </a:spcBef>
+              <a:buClr>
+                <a:schemeClr val="dk1"/>
+              </a:buClr>
               <a:buSzPct val="25000"/>
+              <a:buFont typeface="Arial"/>
               <a:buNone/>
             </a:pPr>
             <a:r>
@@ -34853,7 +34998,7 @@
                 <a:cs typeface="Calibri"/>
                 <a:sym typeface="Calibri"/>
               </a:rPr>
-              <a:t>c</a:t>
+              <a:t>C</a:t>
             </a:r>
           </a:p>
         </p:txBody>
@@ -35368,7 +35513,7 @@
                 <a:cs typeface="Calibri"/>
                 <a:sym typeface="Calibri"/>
               </a:rPr>
-              <a:t>Story Points</a:t>
+              <a:t>5</a:t>
             </a:r>
           </a:p>
         </p:txBody>
@@ -35406,11 +35551,15 @@
           </a:bodyPr>
           <a:lstStyle/>
           <a:p>
-            <a:pPr indent="0" lvl="0" marL="0" marR="0" rtl="0" algn="ctr">
-              <a:spcBef>
-                <a:spcPts val="0"/>
-              </a:spcBef>
+            <a:pPr lvl="0" rtl="0" algn="ctr">
+              <a:spcBef>
+                <a:spcPts val="0"/>
+              </a:spcBef>
+              <a:buClr>
+                <a:schemeClr val="dk1"/>
+              </a:buClr>
               <a:buSzPct val="25000"/>
+              <a:buFont typeface="Arial"/>
               <a:buNone/>
             </a:pPr>
             <a:r>
@@ -35427,24 +35576,29 @@
             </a:r>
           </a:p>
           <a:p>
-            <a:pPr indent="0" lvl="0" marL="0" marR="0" rtl="0" algn="ctr">
-              <a:spcBef>
-                <a:spcPts val="0"/>
-              </a:spcBef>
-              <a:buNone/>
-            </a:pPr>
-            <a:r>
-              <a:t/>
-            </a:r>
-            <a:endParaRPr sz="2000">
-              <a:solidFill>
-                <a:schemeClr val="dk1"/>
-              </a:solidFill>
-              <a:latin typeface="Calibri"/>
-              <a:ea typeface="Calibri"/>
-              <a:cs typeface="Calibri"/>
-              <a:sym typeface="Calibri"/>
-            </a:endParaRPr>
+            <a:pPr lvl="0" rtl="0" algn="ctr">
+              <a:spcBef>
+                <a:spcPts val="0"/>
+              </a:spcBef>
+              <a:buClr>
+                <a:schemeClr val="dk1"/>
+              </a:buClr>
+              <a:buSzPct val="25000"/>
+              <a:buFont typeface="Arial"/>
+              <a:buNone/>
+            </a:pPr>
+            <a:r>
+              <a:rPr lang="en-AU" sz="2000">
+                <a:solidFill>
+                  <a:schemeClr val="dk1"/>
+                </a:solidFill>
+                <a:latin typeface="Calibri"/>
+                <a:ea typeface="Calibri"/>
+                <a:cs typeface="Calibri"/>
+                <a:sym typeface="Calibri"/>
+              </a:rPr>
+              <a:t>C</a:t>
+            </a:r>
           </a:p>
         </p:txBody>
       </p:sp>
@@ -36009,16 +36163,16 @@
               <a:buNone/>
             </a:pPr>
             <a:r>
-              <a:rPr b="0" i="0" lang="en-AU" sz="2000" u="none" cap="none" strike="noStrike">
-                <a:solidFill>
-                  <a:schemeClr val="dk1"/>
-                </a:solidFill>
-                <a:latin typeface="Calibri"/>
-                <a:ea typeface="Calibri"/>
-                <a:cs typeface="Calibri"/>
-                <a:sym typeface="Calibri"/>
-              </a:rPr>
-              <a:t>Story Points</a:t>
+              <a:rPr lang="en-AU" sz="2000">
+                <a:solidFill>
+                  <a:schemeClr val="dk1"/>
+                </a:solidFill>
+                <a:latin typeface="Calibri"/>
+                <a:ea typeface="Calibri"/>
+                <a:cs typeface="Calibri"/>
+                <a:sym typeface="Calibri"/>
+              </a:rPr>
+              <a:t>3</a:t>
             </a:r>
           </a:p>
         </p:txBody>
@@ -36056,25 +36210,19 @@
           </a:bodyPr>
           <a:lstStyle/>
           <a:p>
-            <a:pPr indent="0" lvl="0" marL="0" marR="0" rtl="0" algn="ctr">
-              <a:lnSpc>
-                <a:spcPct val="100000"/>
-              </a:lnSpc>
-              <a:spcBef>
-                <a:spcPts val="0"/>
-              </a:spcBef>
-              <a:spcAft>
-                <a:spcPts val="0"/>
-              </a:spcAft>
+            <a:pPr lvl="0" rtl="0" algn="ctr">
+              <a:spcBef>
+                <a:spcPts val="0"/>
+              </a:spcBef>
               <a:buClr>
                 <a:schemeClr val="dk1"/>
               </a:buClr>
               <a:buSzPct val="25000"/>
-              <a:buFont typeface="Calibri"/>
-              <a:buNone/>
-            </a:pPr>
-            <a:r>
-              <a:rPr b="0" i="0" lang="en-AU" sz="2000" u="none" cap="none" strike="noStrike">
+              <a:buFont typeface="Arial"/>
+              <a:buNone/>
+            </a:pPr>
+            <a:r>
+              <a:rPr lang="en-AU" sz="2000">
                 <a:solidFill>
                   <a:schemeClr val="dk1"/>
                 </a:solidFill>
@@ -36087,21 +36235,15 @@
             </a:r>
           </a:p>
           <a:p>
-            <a:pPr indent="0" lvl="0" marL="0" marR="0" rtl="0" algn="ctr">
-              <a:lnSpc>
-                <a:spcPct val="100000"/>
-              </a:lnSpc>
-              <a:spcBef>
-                <a:spcPts val="0"/>
-              </a:spcBef>
-              <a:spcAft>
-                <a:spcPts val="0"/>
-              </a:spcAft>
+            <a:pPr lvl="0" rtl="0" algn="ctr">
+              <a:spcBef>
+                <a:spcPts val="0"/>
+              </a:spcBef>
               <a:buClr>
                 <a:schemeClr val="dk1"/>
               </a:buClr>
               <a:buSzPct val="25000"/>
-              <a:buFont typeface="Calibri"/>
+              <a:buFont typeface="Arial"/>
               <a:buNone/>
             </a:pPr>
             <a:r>
@@ -36114,7 +36256,7 @@
                 <a:cs typeface="Calibri"/>
                 <a:sym typeface="Calibri"/>
               </a:rPr>
-              <a:t>S</a:t>
+              <a:t>C</a:t>
             </a:r>
           </a:p>
         </p:txBody>
@@ -36750,7 +36892,7 @@
                 <a:cs typeface="Calibri"/>
                 <a:sym typeface="Calibri"/>
               </a:rPr>
-              <a:t>Story Points</a:t>
+              <a:t>1</a:t>
             </a:r>
           </a:p>
         </p:txBody>
@@ -37118,7 +37260,7 @@
                 <a:cs typeface="Calibri"/>
                 <a:sym typeface="Calibri"/>
               </a:rPr>
-              <a:t>Bug Report</a:t>
+              <a:t>Submit Website Bug Report</a:t>
             </a:r>
           </a:p>
         </p:txBody>
@@ -37372,7 +37514,7 @@
                 <a:cs typeface="Calibri"/>
                 <a:sym typeface="Calibri"/>
               </a:rPr>
-              <a:t>Story Points</a:t>
+              <a:t>1</a:t>
             </a:r>
           </a:p>
         </p:txBody>
@@ -37410,11 +37552,15 @@
           </a:bodyPr>
           <a:lstStyle/>
           <a:p>
-            <a:pPr indent="0" lvl="0" marL="0" marR="0" rtl="0" algn="ctr">
-              <a:spcBef>
-                <a:spcPts val="0"/>
-              </a:spcBef>
+            <a:pPr lvl="0" rtl="0" algn="ctr">
+              <a:spcBef>
+                <a:spcPts val="0"/>
+              </a:spcBef>
+              <a:buClr>
+                <a:schemeClr val="dk1"/>
+              </a:buClr>
               <a:buSzPct val="25000"/>
+              <a:buFont typeface="Arial"/>
               <a:buNone/>
             </a:pPr>
             <a:r>
@@ -37428,6 +37574,31 @@
                 <a:sym typeface="Calibri"/>
               </a:rPr>
               <a:t>Priority</a:t>
+            </a:r>
+          </a:p>
+          <a:p>
+            <a:pPr lvl="0" rtl="0" algn="ctr">
+              <a:spcBef>
+                <a:spcPts val="0"/>
+              </a:spcBef>
+              <a:buClr>
+                <a:schemeClr val="dk1"/>
+              </a:buClr>
+              <a:buSzPct val="25000"/>
+              <a:buFont typeface="Arial"/>
+              <a:buNone/>
+            </a:pPr>
+            <a:r>
+              <a:rPr lang="en-AU" sz="2000">
+                <a:solidFill>
+                  <a:schemeClr val="dk1"/>
+                </a:solidFill>
+                <a:latin typeface="Calibri"/>
+                <a:ea typeface="Calibri"/>
+                <a:cs typeface="Calibri"/>
+                <a:sym typeface="Calibri"/>
+              </a:rPr>
+              <a:t>S</a:t>
             </a:r>
           </a:p>
         </p:txBody>
@@ -37941,7 +38112,7 @@
                 <a:cs typeface="Calibri"/>
                 <a:sym typeface="Calibri"/>
               </a:rPr>
-              <a:t>6</a:t>
+              <a:t>2</a:t>
             </a:r>
           </a:p>
         </p:txBody>
@@ -37979,11 +38150,15 @@
           </a:bodyPr>
           <a:lstStyle/>
           <a:p>
-            <a:pPr indent="0" lvl="0" marL="0" marR="0" rtl="0" algn="ctr">
-              <a:spcBef>
-                <a:spcPts val="0"/>
-              </a:spcBef>
+            <a:pPr lvl="0" rtl="0" algn="ctr">
+              <a:spcBef>
+                <a:spcPts val="0"/>
+              </a:spcBef>
+              <a:buClr>
+                <a:schemeClr val="dk1"/>
+              </a:buClr>
               <a:buSzPct val="25000"/>
+              <a:buFont typeface="Arial"/>
               <a:buNone/>
             </a:pPr>
             <a:r>
@@ -37996,7 +38171,32 @@
                 <a:cs typeface="Calibri"/>
                 <a:sym typeface="Calibri"/>
               </a:rPr>
-              <a:t>S</a:t>
+              <a:t>Priority</a:t>
+            </a:r>
+          </a:p>
+          <a:p>
+            <a:pPr lvl="0" rtl="0" algn="ctr">
+              <a:spcBef>
+                <a:spcPts val="0"/>
+              </a:spcBef>
+              <a:buClr>
+                <a:schemeClr val="dk1"/>
+              </a:buClr>
+              <a:buSzPct val="25000"/>
+              <a:buFont typeface="Arial"/>
+              <a:buNone/>
+            </a:pPr>
+            <a:r>
+              <a:rPr lang="en-AU" sz="2000">
+                <a:solidFill>
+                  <a:schemeClr val="dk1"/>
+                </a:solidFill>
+                <a:latin typeface="Calibri"/>
+                <a:ea typeface="Calibri"/>
+                <a:cs typeface="Calibri"/>
+                <a:sym typeface="Calibri"/>
+              </a:rPr>
+              <a:t>C</a:t>
             </a:r>
           </a:p>
         </p:txBody>
@@ -38538,7 +38738,7 @@
                 <a:cs typeface="Calibri"/>
                 <a:sym typeface="Calibri"/>
               </a:rPr>
-              <a:t>Story Points</a:t>
+              <a:t>2</a:t>
             </a:r>
           </a:p>
         </p:txBody>
@@ -38576,11 +38776,15 @@
           </a:bodyPr>
           <a:lstStyle/>
           <a:p>
-            <a:pPr indent="0" lvl="0" marL="0" marR="0" rtl="0" algn="ctr">
-              <a:spcBef>
-                <a:spcPts val="0"/>
-              </a:spcBef>
+            <a:pPr lvl="0" rtl="0" algn="ctr">
+              <a:spcBef>
+                <a:spcPts val="0"/>
+              </a:spcBef>
+              <a:buClr>
+                <a:schemeClr val="dk1"/>
+              </a:buClr>
               <a:buSzPct val="25000"/>
+              <a:buFont typeface="Arial"/>
               <a:buNone/>
             </a:pPr>
             <a:r>
@@ -38597,11 +38801,15 @@
             </a:r>
           </a:p>
           <a:p>
-            <a:pPr indent="0" lvl="0" marL="0" marR="0" rtl="0" algn="ctr">
-              <a:spcBef>
-                <a:spcPts val="0"/>
-              </a:spcBef>
+            <a:pPr lvl="0" rtl="0" algn="ctr">
+              <a:spcBef>
+                <a:spcPts val="0"/>
+              </a:spcBef>
+              <a:buClr>
+                <a:schemeClr val="dk1"/>
+              </a:buClr>
               <a:buSzPct val="25000"/>
+              <a:buFont typeface="Arial"/>
               <a:buNone/>
             </a:pPr>
             <a:r>
@@ -38614,7 +38822,7 @@
                 <a:cs typeface="Calibri"/>
                 <a:sym typeface="Calibri"/>
               </a:rPr>
-              <a:t>S</a:t>
+              <a:t>C</a:t>
             </a:r>
           </a:p>
         </p:txBody>
@@ -39168,7 +39376,7 @@
                 <a:cs typeface="Calibri"/>
                 <a:sym typeface="Calibri"/>
               </a:rPr>
-              <a:t>Story Points</a:t>
+              <a:t>2</a:t>
             </a:r>
           </a:p>
         </p:txBody>
@@ -39206,11 +39414,15 @@
           </a:bodyPr>
           <a:lstStyle/>
           <a:p>
-            <a:pPr indent="0" lvl="0" marL="0" marR="0" rtl="0" algn="ctr">
-              <a:spcBef>
-                <a:spcPts val="0"/>
-              </a:spcBef>
+            <a:pPr lvl="0" rtl="0" algn="ctr">
+              <a:spcBef>
+                <a:spcPts val="0"/>
+              </a:spcBef>
+              <a:buClr>
+                <a:schemeClr val="dk1"/>
+              </a:buClr>
               <a:buSzPct val="25000"/>
+              <a:buFont typeface="Arial"/>
               <a:buNone/>
             </a:pPr>
             <a:r>
@@ -39227,11 +39439,15 @@
             </a:r>
           </a:p>
           <a:p>
-            <a:pPr indent="0" lvl="0" marL="0" marR="0" rtl="0" algn="ctr">
-              <a:spcBef>
-                <a:spcPts val="0"/>
-              </a:spcBef>
+            <a:pPr lvl="0" rtl="0" algn="ctr">
+              <a:spcBef>
+                <a:spcPts val="0"/>
+              </a:spcBef>
+              <a:buClr>
+                <a:schemeClr val="dk1"/>
+              </a:buClr>
               <a:buSzPct val="25000"/>
+              <a:buFont typeface="Arial"/>
               <a:buNone/>
             </a:pPr>
             <a:r>
@@ -39862,16 +40078,16 @@
               <a:buNone/>
             </a:pPr>
             <a:r>
-              <a:rPr b="0" i="0" lang="en-AU" sz="2000" u="none" cap="none" strike="noStrike">
-                <a:solidFill>
-                  <a:schemeClr val="dk1"/>
-                </a:solidFill>
-                <a:latin typeface="Calibri"/>
-                <a:ea typeface="Calibri"/>
-                <a:cs typeface="Calibri"/>
-                <a:sym typeface="Calibri"/>
-              </a:rPr>
-              <a:t>Story Points</a:t>
+              <a:rPr lang="en-AU" sz="2000">
+                <a:solidFill>
+                  <a:schemeClr val="dk1"/>
+                </a:solidFill>
+                <a:latin typeface="Calibri"/>
+                <a:ea typeface="Calibri"/>
+                <a:cs typeface="Calibri"/>
+                <a:sym typeface="Calibri"/>
+              </a:rPr>
+              <a:t>1</a:t>
             </a:r>
           </a:p>
         </p:txBody>
@@ -40573,7 +40789,7 @@
                 <a:cs typeface="Calibri"/>
                 <a:sym typeface="Calibri"/>
               </a:rPr>
-              <a:t>Story Points</a:t>
+              <a:t>1</a:t>
             </a:r>
           </a:p>
         </p:txBody>
@@ -40628,7 +40844,7 @@
                 <a:cs typeface="Calibri"/>
                 <a:sym typeface="Calibri"/>
               </a:rPr>
-              <a:t>Priority </a:t>
+              <a:t>Priority M </a:t>
             </a:r>
           </a:p>
         </p:txBody>
@@ -40965,7 +41181,7 @@
                 <a:cs typeface="Calibri"/>
                 <a:sym typeface="Calibri"/>
               </a:rPr>
-              <a:t>As an Admin i want to view account holder suggested locations so that i may update the website with user relevant content</a:t>
+              <a:t>As an Admin I want to view account holder suggested locations so that i may update the website with user relevant content</a:t>
             </a:r>
           </a:p>
         </p:txBody>
@@ -41212,16 +41428,16 @@
               <a:buNone/>
             </a:pPr>
             <a:r>
-              <a:rPr b="0" i="0" lang="en-AU" sz="2000" u="none" cap="none" strike="noStrike">
-                <a:solidFill>
-                  <a:schemeClr val="dk1"/>
-                </a:solidFill>
-                <a:latin typeface="Calibri"/>
-                <a:ea typeface="Calibri"/>
-                <a:cs typeface="Calibri"/>
-                <a:sym typeface="Calibri"/>
-              </a:rPr>
-              <a:t>Story Points</a:t>
+              <a:rPr lang="en-AU" sz="2000">
+                <a:solidFill>
+                  <a:schemeClr val="dk1"/>
+                </a:solidFill>
+                <a:latin typeface="Calibri"/>
+                <a:ea typeface="Calibri"/>
+                <a:cs typeface="Calibri"/>
+                <a:sym typeface="Calibri"/>
+              </a:rPr>
+              <a:t>2</a:t>
             </a:r>
           </a:p>
         </p:txBody>
@@ -41259,25 +41475,19 @@
           </a:bodyPr>
           <a:lstStyle/>
           <a:p>
-            <a:pPr indent="0" lvl="0" marL="0" marR="0" rtl="0" algn="ctr">
-              <a:lnSpc>
-                <a:spcPct val="100000"/>
-              </a:lnSpc>
-              <a:spcBef>
-                <a:spcPts val="0"/>
-              </a:spcBef>
-              <a:spcAft>
-                <a:spcPts val="0"/>
-              </a:spcAft>
+            <a:pPr lvl="0" rtl="0" algn="ctr">
+              <a:spcBef>
+                <a:spcPts val="0"/>
+              </a:spcBef>
               <a:buClr>
                 <a:schemeClr val="dk1"/>
               </a:buClr>
               <a:buSzPct val="25000"/>
-              <a:buFont typeface="Calibri"/>
-              <a:buNone/>
-            </a:pPr>
-            <a:r>
-              <a:rPr b="0" i="0" lang="en-AU" sz="2000" u="none" cap="none" strike="noStrike">
+              <a:buFont typeface="Arial"/>
+              <a:buNone/>
+            </a:pPr>
+            <a:r>
+              <a:rPr lang="en-AU" sz="2000">
                 <a:solidFill>
                   <a:schemeClr val="dk1"/>
                 </a:solidFill>
@@ -41290,21 +41500,15 @@
             </a:r>
           </a:p>
           <a:p>
-            <a:pPr indent="0" lvl="0" marL="0" marR="0" rtl="0" algn="ctr">
-              <a:lnSpc>
-                <a:spcPct val="100000"/>
-              </a:lnSpc>
-              <a:spcBef>
-                <a:spcPts val="0"/>
-              </a:spcBef>
-              <a:spcAft>
-                <a:spcPts val="0"/>
-              </a:spcAft>
+            <a:pPr lvl="0" rtl="0" algn="ctr">
+              <a:spcBef>
+                <a:spcPts val="0"/>
+              </a:spcBef>
               <a:buClr>
                 <a:schemeClr val="dk1"/>
               </a:buClr>
               <a:buSzPct val="25000"/>
-              <a:buFont typeface="Calibri"/>
+              <a:buFont typeface="Arial"/>
               <a:buNone/>
             </a:pPr>
             <a:r>
@@ -41317,7 +41521,7 @@
                 <a:cs typeface="Calibri"/>
                 <a:sym typeface="Calibri"/>
               </a:rPr>
-              <a:t>C</a:t>
+              <a:t>S</a:t>
             </a:r>
           </a:p>
         </p:txBody>
@@ -41830,16 +42034,16 @@
               <a:buNone/>
             </a:pPr>
             <a:r>
-              <a:rPr b="0" i="0" lang="en-AU" sz="2000" u="none" cap="none" strike="noStrike">
-                <a:solidFill>
-                  <a:schemeClr val="dk1"/>
-                </a:solidFill>
-                <a:latin typeface="Calibri"/>
-                <a:ea typeface="Calibri"/>
-                <a:cs typeface="Calibri"/>
-                <a:sym typeface="Calibri"/>
-              </a:rPr>
-              <a:t>Story Points</a:t>
+              <a:rPr lang="en-AU" sz="2000">
+                <a:solidFill>
+                  <a:schemeClr val="dk1"/>
+                </a:solidFill>
+                <a:latin typeface="Calibri"/>
+                <a:ea typeface="Calibri"/>
+                <a:cs typeface="Calibri"/>
+                <a:sym typeface="Calibri"/>
+              </a:rPr>
+              <a:t>1</a:t>
             </a:r>
           </a:p>
         </p:txBody>
@@ -41877,25 +42081,19 @@
           </a:bodyPr>
           <a:lstStyle/>
           <a:p>
-            <a:pPr indent="0" lvl="0" marL="0" marR="0" rtl="0" algn="ctr">
-              <a:lnSpc>
-                <a:spcPct val="100000"/>
-              </a:lnSpc>
-              <a:spcBef>
-                <a:spcPts val="0"/>
-              </a:spcBef>
-              <a:spcAft>
-                <a:spcPts val="0"/>
-              </a:spcAft>
+            <a:pPr lvl="0" rtl="0" algn="ctr">
+              <a:spcBef>
+                <a:spcPts val="0"/>
+              </a:spcBef>
               <a:buClr>
                 <a:schemeClr val="dk1"/>
               </a:buClr>
               <a:buSzPct val="25000"/>
-              <a:buFont typeface="Calibri"/>
-              <a:buNone/>
-            </a:pPr>
-            <a:r>
-              <a:rPr b="0" i="0" lang="en-AU" sz="2000" u="none" cap="none" strike="noStrike">
+              <a:buFont typeface="Arial"/>
+              <a:buNone/>
+            </a:pPr>
+            <a:r>
+              <a:rPr lang="en-AU" sz="2000">
                 <a:solidFill>
                   <a:schemeClr val="dk1"/>
                 </a:solidFill>
@@ -41908,21 +42106,15 @@
             </a:r>
           </a:p>
           <a:p>
-            <a:pPr indent="0" lvl="0" marL="0" marR="0" rtl="0" algn="ctr">
-              <a:lnSpc>
-                <a:spcPct val="100000"/>
-              </a:lnSpc>
-              <a:spcBef>
-                <a:spcPts val="0"/>
-              </a:spcBef>
-              <a:spcAft>
-                <a:spcPts val="0"/>
-              </a:spcAft>
+            <a:pPr lvl="0" rtl="0" algn="ctr">
+              <a:spcBef>
+                <a:spcPts val="0"/>
+              </a:spcBef>
               <a:buClr>
                 <a:schemeClr val="dk1"/>
               </a:buClr>
               <a:buSzPct val="25000"/>
-              <a:buFont typeface="Calibri"/>
+              <a:buFont typeface="Arial"/>
               <a:buNone/>
             </a:pPr>
             <a:r>
@@ -42417,7 +42609,7 @@
                 <a:cs typeface="Calibri"/>
                 <a:sym typeface="Calibri"/>
               </a:rPr>
-              <a:t>Story Points</a:t>
+              <a:t>1</a:t>
             </a:r>
           </a:p>
         </p:txBody>
@@ -42472,7 +42664,7 @@
                 <a:cs typeface="Calibri"/>
                 <a:sym typeface="Calibri"/>
               </a:rPr>
-              <a:t>Priority Must</a:t>
+              <a:t>Priority  M</a:t>
             </a:r>
           </a:p>
         </p:txBody>
@@ -42995,7 +43187,7 @@
                 <a:cs typeface="Calibri"/>
                 <a:sym typeface="Calibri"/>
               </a:rPr>
-              <a:t>Story Points</a:t>
+              <a:t>1</a:t>
             </a:r>
           </a:p>
         </p:txBody>
@@ -43050,7 +43242,7 @@
                 <a:cs typeface="Calibri"/>
                 <a:sym typeface="Calibri"/>
               </a:rPr>
-              <a:t>Priority</a:t>
+              <a:t>Priority S</a:t>
             </a:r>
           </a:p>
         </p:txBody>
@@ -43235,7 +43427,31 @@
                 <a:cs typeface="Calibri"/>
                 <a:sym typeface="Calibri"/>
               </a:rPr>
-              <a:t>Story ID: 5</a:t>
+              <a:t>Story ID:</a:t>
+            </a:r>
+            <a:r>
+              <a:rPr lang="en-AU" sz="2000">
+                <a:solidFill>
+                  <a:schemeClr val="dk1"/>
+                </a:solidFill>
+                <a:latin typeface="Calibri"/>
+                <a:ea typeface="Calibri"/>
+                <a:cs typeface="Calibri"/>
+                <a:sym typeface="Calibri"/>
+              </a:rPr>
+              <a:t> </a:t>
+            </a:r>
+            <a:r>
+              <a:rPr lang="en-AU" sz="2000">
+                <a:solidFill>
+                  <a:schemeClr val="dk1"/>
+                </a:solidFill>
+                <a:latin typeface="Calibri"/>
+                <a:ea typeface="Calibri"/>
+                <a:cs typeface="Calibri"/>
+                <a:sym typeface="Calibri"/>
+              </a:rPr>
+              <a:t>5</a:t>
             </a:r>
           </a:p>
         </p:txBody>
@@ -43514,16 +43730,29 @@
           </a:bodyPr>
           <a:lstStyle/>
           <a:p>
-            <a:pPr indent="0" lvl="0" marL="0" marR="0" rtl="0" algn="ctr">
-              <a:spcBef>
-                <a:spcPts val="0"/>
-              </a:spcBef>
-              <a:buNone/>
-            </a:pPr>
-            <a:r>
-              <a:t/>
-            </a:r>
-            <a:endParaRPr/>
+            <a:pPr lvl="0" rtl="0" algn="ctr">
+              <a:spcBef>
+                <a:spcPts val="0"/>
+              </a:spcBef>
+              <a:buClr>
+                <a:schemeClr val="dk1"/>
+              </a:buClr>
+              <a:buSzPct val="25000"/>
+              <a:buFont typeface="Arial"/>
+              <a:buNone/>
+            </a:pPr>
+            <a:r>
+              <a:rPr lang="en-AU" sz="2400">
+                <a:solidFill>
+                  <a:schemeClr val="dk1"/>
+                </a:solidFill>
+                <a:latin typeface="Calibri"/>
+                <a:ea typeface="Calibri"/>
+                <a:cs typeface="Calibri"/>
+                <a:sym typeface="Calibri"/>
+              </a:rPr>
+              <a:t>2</a:t>
+            </a:r>
           </a:p>
         </p:txBody>
       </p:sp>
@@ -43560,16 +43789,29 @@
           </a:bodyPr>
           <a:lstStyle/>
           <a:p>
-            <a:pPr indent="0" lvl="0" marL="0" marR="0" rtl="0" algn="ctr">
-              <a:spcBef>
-                <a:spcPts val="0"/>
-              </a:spcBef>
-              <a:buNone/>
-            </a:pPr>
-            <a:r>
-              <a:t/>
-            </a:r>
-            <a:endParaRPr/>
+            <a:pPr lvl="0" rtl="0" algn="ctr">
+              <a:spcBef>
+                <a:spcPts val="0"/>
+              </a:spcBef>
+              <a:buClr>
+                <a:schemeClr val="dk1"/>
+              </a:buClr>
+              <a:buSzPct val="25000"/>
+              <a:buFont typeface="Arial"/>
+              <a:buNone/>
+            </a:pPr>
+            <a:r>
+              <a:rPr lang="en-AU" sz="2000">
+                <a:solidFill>
+                  <a:schemeClr val="dk1"/>
+                </a:solidFill>
+                <a:latin typeface="Calibri"/>
+                <a:ea typeface="Calibri"/>
+                <a:cs typeface="Calibri"/>
+                <a:sym typeface="Calibri"/>
+              </a:rPr>
+              <a:t>Priority M</a:t>
+            </a:r>
           </a:p>
         </p:txBody>
       </p:sp>
@@ -43648,7 +43890,19 @@
                 <a:cs typeface="Calibri"/>
                 <a:sym typeface="Calibri"/>
               </a:rPr>
-              <a:t> </a:t>
+              <a:t>h</a:t>
+            </a:r>
+            <a:r>
+              <a:rPr lang="en-AU" sz="2000">
+                <a:solidFill>
+                  <a:schemeClr val="dk1"/>
+                </a:solidFill>
+                <a:latin typeface="Calibri"/>
+                <a:ea typeface="Calibri"/>
+                <a:cs typeface="Calibri"/>
+                <a:sym typeface="Calibri"/>
+              </a:rPr>
+              <a:t>ttps://stackoverflow.com/questions/43913604/how-can-get-data-from-database-based-on-the-url-django</a:t>
             </a:r>
           </a:p>
         </p:txBody>
@@ -44151,16 +44405,16 @@
               <a:buNone/>
             </a:pPr>
             <a:r>
-              <a:rPr b="0" i="0" lang="en-AU" sz="2000" u="none" cap="none" strike="noStrike">
-                <a:solidFill>
-                  <a:schemeClr val="dk1"/>
-                </a:solidFill>
-                <a:latin typeface="Calibri"/>
-                <a:ea typeface="Calibri"/>
-                <a:cs typeface="Calibri"/>
-                <a:sym typeface="Calibri"/>
-              </a:rPr>
-              <a:t>Story Points</a:t>
+              <a:rPr lang="en-AU" sz="2000">
+                <a:solidFill>
+                  <a:schemeClr val="dk1"/>
+                </a:solidFill>
+                <a:latin typeface="Calibri"/>
+                <a:ea typeface="Calibri"/>
+                <a:cs typeface="Calibri"/>
+                <a:sym typeface="Calibri"/>
+              </a:rPr>
+              <a:t>1</a:t>
             </a:r>
           </a:p>
         </p:txBody>
@@ -44242,21 +44496,22 @@
               <a:buClr>
                 <a:schemeClr val="dk1"/>
               </a:buClr>
-              <a:buFont typeface="Calibri"/>
-              <a:buNone/>
-            </a:pPr>
-            <a:r>
-              <a:t/>
-            </a:r>
-            <a:endParaRPr sz="2000">
-              <a:solidFill>
-                <a:schemeClr val="dk1"/>
-              </a:solidFill>
-              <a:latin typeface="Calibri"/>
-              <a:ea typeface="Calibri"/>
-              <a:cs typeface="Calibri"/>
-              <a:sym typeface="Calibri"/>
-            </a:endParaRPr>
+              <a:buSzPct val="25000"/>
+              <a:buFont typeface="Calibri"/>
+              <a:buNone/>
+            </a:pPr>
+            <a:r>
+              <a:rPr lang="en-AU" sz="2000">
+                <a:solidFill>
+                  <a:schemeClr val="dk1"/>
+                </a:solidFill>
+                <a:latin typeface="Calibri"/>
+                <a:ea typeface="Calibri"/>
+                <a:cs typeface="Calibri"/>
+                <a:sym typeface="Calibri"/>
+              </a:rPr>
+              <a:t>S</a:t>
+            </a:r>
           </a:p>
         </p:txBody>
       </p:sp>
@@ -44772,7 +45027,7 @@
                 <a:cs typeface="Calibri"/>
                 <a:sym typeface="Calibri"/>
               </a:rPr>
-              <a:t>Story Points</a:t>
+              <a:t>2</a:t>
             </a:r>
           </a:p>
         </p:txBody>
@@ -44848,7 +45103,7 @@
                 <a:cs typeface="Calibri"/>
                 <a:sym typeface="Calibri"/>
               </a:rPr>
-              <a:t>M</a:t>
+              <a:t>S</a:t>
             </a:r>
           </a:p>
         </p:txBody>
@@ -45145,7 +45400,19 @@
                 <a:cs typeface="Calibri"/>
                 <a:sym typeface="Calibri"/>
               </a:rPr>
-              <a:t>View City Information</a:t>
+              <a:t>View City </a:t>
+            </a:r>
+            <a:r>
+              <a:rPr lang="en-AU" sz="2800">
+                <a:solidFill>
+                  <a:schemeClr val="lt1"/>
+                </a:solidFill>
+                <a:latin typeface="Calibri"/>
+                <a:ea typeface="Calibri"/>
+                <a:cs typeface="Calibri"/>
+                <a:sym typeface="Calibri"/>
+              </a:rPr>
+              <a:t>Map</a:t>
             </a:r>
           </a:p>
         </p:txBody>
@@ -45462,16 +45729,16 @@
               <a:buNone/>
             </a:pPr>
             <a:r>
-              <a:rPr b="0" i="0" lang="en-AU" sz="2000" u="none" cap="none" strike="noStrike">
-                <a:solidFill>
-                  <a:schemeClr val="dk1"/>
-                </a:solidFill>
-                <a:latin typeface="Calibri"/>
-                <a:ea typeface="Calibri"/>
-                <a:cs typeface="Calibri"/>
-                <a:sym typeface="Calibri"/>
-              </a:rPr>
-              <a:t>Story Points</a:t>
+              <a:rPr lang="en-AU" sz="2000">
+                <a:solidFill>
+                  <a:schemeClr val="dk1"/>
+                </a:solidFill>
+                <a:latin typeface="Calibri"/>
+                <a:ea typeface="Calibri"/>
+                <a:cs typeface="Calibri"/>
+                <a:sym typeface="Calibri"/>
+              </a:rPr>
+              <a:t>1</a:t>
             </a:r>
           </a:p>
         </p:txBody>
@@ -45553,21 +45820,22 @@
               <a:buClr>
                 <a:schemeClr val="dk1"/>
               </a:buClr>
-              <a:buFont typeface="Calibri"/>
-              <a:buNone/>
-            </a:pPr>
-            <a:r>
-              <a:t/>
-            </a:r>
-            <a:endParaRPr sz="2000">
-              <a:solidFill>
-                <a:schemeClr val="dk1"/>
-              </a:solidFill>
-              <a:latin typeface="Calibri"/>
-              <a:ea typeface="Calibri"/>
-              <a:cs typeface="Calibri"/>
-              <a:sym typeface="Calibri"/>
-            </a:endParaRPr>
+              <a:buSzPct val="25000"/>
+              <a:buFont typeface="Calibri"/>
+              <a:buNone/>
+            </a:pPr>
+            <a:r>
+              <a:rPr lang="en-AU" sz="2000">
+                <a:solidFill>
+                  <a:schemeClr val="dk1"/>
+                </a:solidFill>
+                <a:latin typeface="Calibri"/>
+                <a:ea typeface="Calibri"/>
+                <a:cs typeface="Calibri"/>
+                <a:sym typeface="Calibri"/>
+              </a:rPr>
+              <a:t>S</a:t>
+            </a:r>
           </a:p>
         </p:txBody>
       </p:sp>
@@ -45676,9 +45944,9 @@
 </file>
 
 <file path=ppt/theme/theme1.xml><?xml version="1.0" encoding="utf-8"?>
-<a:theme xmlns:a="http://schemas.openxmlformats.org/drawingml/2006/main" xmlns:r="http://schemas.openxmlformats.org/officeDocument/2006/relationships" name="Office Theme">
+<a:theme xmlns:a="http://schemas.openxmlformats.org/drawingml/2006/main" xmlns:r="http://schemas.openxmlformats.org/officeDocument/2006/relationships" name="Custom Theme">
   <a:themeElements>
-    <a:clrScheme name="Office">
+    <a:clrScheme name="Default">
       <a:dk1>
         <a:srgbClr val="000000"/>
       </a:dk1>
@@ -45686,34 +45954,34 @@
         <a:srgbClr val="FFFFFF"/>
       </a:lt1>
       <a:dk2>
-        <a:srgbClr val="1F497D"/>
+        <a:srgbClr val="158158"/>
       </a:dk2>
       <a:lt2>
-        <a:srgbClr val="EEECE1"/>
+        <a:srgbClr val="F3F3F3"/>
       </a:lt2>
       <a:accent1>
-        <a:srgbClr val="4F81BD"/>
+        <a:srgbClr val="058DC7"/>
       </a:accent1>
       <a:accent2>
-        <a:srgbClr val="C0504D"/>
+        <a:srgbClr val="50B432"/>
       </a:accent2>
       <a:accent3>
-        <a:srgbClr val="9BBB59"/>
+        <a:srgbClr val="ED561B"/>
       </a:accent3>
       <a:accent4>
-        <a:srgbClr val="8064A2"/>
+        <a:srgbClr val="EDEF00"/>
       </a:accent4>
       <a:accent5>
-        <a:srgbClr val="4BACC6"/>
+        <a:srgbClr val="24CBE5"/>
       </a:accent5>
       <a:accent6>
-        <a:srgbClr val="F79646"/>
+        <a:srgbClr val="64E572"/>
       </a:accent6>
       <a:hlink>
-        <a:srgbClr val="0000FF"/>
+        <a:srgbClr val="2200CC"/>
       </a:hlink>
       <a:folHlink>
-        <a:srgbClr val="800080"/>
+        <a:srgbClr val="551A8B"/>
       </a:folHlink>
     </a:clrScheme>
     <a:fontScheme name="Office">
@@ -45955,9 +46223,9 @@
 </file>
 
 <file path=ppt/theme/theme2.xml><?xml version="1.0" encoding="utf-8"?>
-<a:theme xmlns:a="http://schemas.openxmlformats.org/drawingml/2006/main" xmlns:r="http://schemas.openxmlformats.org/officeDocument/2006/relationships" name="Custom Theme">
+<a:theme xmlns:a="http://schemas.openxmlformats.org/drawingml/2006/main" xmlns:r="http://schemas.openxmlformats.org/officeDocument/2006/relationships" name="Office Theme">
   <a:themeElements>
-    <a:clrScheme name="Default">
+    <a:clrScheme name="Office">
       <a:dk1>
         <a:srgbClr val="000000"/>
       </a:dk1>
@@ -45965,34 +46233,34 @@
         <a:srgbClr val="FFFFFF"/>
       </a:lt1>
       <a:dk2>
-        <a:srgbClr val="158158"/>
+        <a:srgbClr val="1F497D"/>
       </a:dk2>
       <a:lt2>
-        <a:srgbClr val="F3F3F3"/>
+        <a:srgbClr val="EEECE1"/>
       </a:lt2>
       <a:accent1>
-        <a:srgbClr val="058DC7"/>
+        <a:srgbClr val="4F81BD"/>
       </a:accent1>
       <a:accent2>
-        <a:srgbClr val="50B432"/>
+        <a:srgbClr val="C0504D"/>
       </a:accent2>
       <a:accent3>
-        <a:srgbClr val="ED561B"/>
+        <a:srgbClr val="9BBB59"/>
       </a:accent3>
       <a:accent4>
-        <a:srgbClr val="EDEF00"/>
+        <a:srgbClr val="8064A2"/>
       </a:accent4>
       <a:accent5>
-        <a:srgbClr val="24CBE5"/>
+        <a:srgbClr val="4BACC6"/>
       </a:accent5>
       <a:accent6>
-        <a:srgbClr val="64E572"/>
+        <a:srgbClr val="F79646"/>
       </a:accent6>
       <a:hlink>
-        <a:srgbClr val="2200CC"/>
+        <a:srgbClr val="0000FF"/>
       </a:hlink>
       <a:folHlink>
-        <a:srgbClr val="551A8B"/>
+        <a:srgbClr val="800080"/>
       </a:folHlink>
     </a:clrScheme>
     <a:fontScheme name="Office">
